--- a/Week8/W8.03. Creating Tables.pptx
+++ b/Week8/W8.03. Creating Tables.pptx
@@ -154,6 +154,50 @@
 </p:presentation>
 </file>
 
+<file path=ppt/changesInfos/changesInfo1.xml><?xml version="1.0" encoding="utf-8"?>
+<pc:chgInfo xmlns:a="http://schemas.openxmlformats.org/drawingml/2006/main" xmlns:r="http://schemas.openxmlformats.org/officeDocument/2006/relationships" xmlns:ac="http://schemas.microsoft.com/office/drawing/2013/main/command" xmlns:pc="http://schemas.microsoft.com/office/powerpoint/2013/main/command">
+  <pc:docChgLst>
+    <pc:chgData name="Charles Kiefriter" userId="a996b49251c4dfd2" providerId="LiveId" clId="{A8F2DEC5-02DC-4063-A126-75E15397B57B}"/>
+    <pc:docChg chg="modSld">
+      <pc:chgData name="Charles Kiefriter" userId="a996b49251c4dfd2" providerId="LiveId" clId="{A8F2DEC5-02DC-4063-A126-75E15397B57B}" dt="2023-04-14T22:14:09.357" v="2" actId="1035"/>
+      <pc:docMkLst>
+        <pc:docMk/>
+      </pc:docMkLst>
+      <pc:sldChg chg="modSp mod">
+        <pc:chgData name="Charles Kiefriter" userId="a996b49251c4dfd2" providerId="LiveId" clId="{A8F2DEC5-02DC-4063-A126-75E15397B57B}" dt="2023-04-14T22:12:58.762" v="0" actId="1036"/>
+        <pc:sldMkLst>
+          <pc:docMk/>
+          <pc:sldMk cId="989732296" sldId="263"/>
+        </pc:sldMkLst>
+        <pc:spChg chg="mod">
+          <ac:chgData name="Charles Kiefriter" userId="a996b49251c4dfd2" providerId="LiveId" clId="{A8F2DEC5-02DC-4063-A126-75E15397B57B}" dt="2023-04-14T22:12:58.762" v="0" actId="1036"/>
+          <ac:spMkLst>
+            <pc:docMk/>
+            <pc:sldMk cId="989732296" sldId="263"/>
+            <ac:spMk id="5" creationId="{220FA10B-F274-4190-9F7D-F0872BC9AB73}"/>
+          </ac:spMkLst>
+        </pc:spChg>
+      </pc:sldChg>
+      <pc:sldChg chg="modSp mod">
+        <pc:chgData name="Charles Kiefriter" userId="a996b49251c4dfd2" providerId="LiveId" clId="{A8F2DEC5-02DC-4063-A126-75E15397B57B}" dt="2023-04-14T22:14:09.357" v="2" actId="1035"/>
+        <pc:sldMkLst>
+          <pc:docMk/>
+          <pc:sldMk cId="56936813" sldId="266"/>
+        </pc:sldMkLst>
+        <pc:spChg chg="mod">
+          <ac:chgData name="Charles Kiefriter" userId="a996b49251c4dfd2" providerId="LiveId" clId="{A8F2DEC5-02DC-4063-A126-75E15397B57B}" dt="2023-04-14T22:14:09.357" v="2" actId="1035"/>
+          <ac:spMkLst>
+            <pc:docMk/>
+            <pc:sldMk cId="56936813" sldId="266"/>
+            <ac:spMk id="3" creationId="{FE09019F-7387-4766-8EB3-26A1351A7D0A}"/>
+          </ac:spMkLst>
+        </pc:spChg>
+      </pc:sldChg>
+    </pc:docChg>
+  </pc:docChgLst>
+</pc:chgInfo>
+</file>
+
 <file path=ppt/notesMasters/notesMaster1.xml><?xml version="1.0" encoding="utf-8"?>
 <p:notesMaster xmlns:a="http://schemas.openxmlformats.org/drawingml/2006/main" xmlns:r="http://schemas.openxmlformats.org/officeDocument/2006/relationships" xmlns:p="http://schemas.openxmlformats.org/presentationml/2006/main">
   <p:cSld>
@@ -236,7 +280,7 @@
           <a:p>
             <a:fld id="{BF1BC3E4-C956-40CB-AFCD-8F927AFF366E}" type="datetimeFigureOut">
               <a:rPr lang="en-US" smtClean="0"/>
-              <a:t>12/19/2021</a:t>
+              <a:t>4/14/2023</a:t>
             </a:fld>
             <a:endParaRPr lang="en-US"/>
           </a:p>
@@ -834,7 +878,7 @@
           <a:p>
             <a:fld id="{548C5E67-172B-4F6A-B3B9-DEF72F952E5B}" type="datetimeFigureOut">
               <a:rPr lang="en-US" smtClean="0"/>
-              <a:t>12/19/2021</a:t>
+              <a:t>4/14/2023</a:t>
             </a:fld>
             <a:endParaRPr lang="en-US"/>
           </a:p>
@@ -1038,7 +1082,7 @@
           <a:p>
             <a:fld id="{548C5E67-172B-4F6A-B3B9-DEF72F952E5B}" type="datetimeFigureOut">
               <a:rPr lang="en-US" smtClean="0"/>
-              <a:t>12/19/2021</a:t>
+              <a:t>4/14/2023</a:t>
             </a:fld>
             <a:endParaRPr lang="en-US"/>
           </a:p>
@@ -1232,7 +1276,7 @@
           <a:p>
             <a:fld id="{548C5E67-172B-4F6A-B3B9-DEF72F952E5B}" type="datetimeFigureOut">
               <a:rPr lang="en-US" smtClean="0"/>
-              <a:t>12/19/2021</a:t>
+              <a:t>4/14/2023</a:t>
             </a:fld>
             <a:endParaRPr lang="en-US"/>
           </a:p>
@@ -2277,7 +2321,7 @@
           <a:p>
             <a:fld id="{548C5E67-172B-4F6A-B3B9-DEF72F952E5B}" type="datetimeFigureOut">
               <a:rPr lang="en-US" smtClean="0"/>
-              <a:t>12/19/2021</a:t>
+              <a:t>4/14/2023</a:t>
             </a:fld>
             <a:endParaRPr lang="en-US"/>
           </a:p>
@@ -2558,7 +2602,7 @@
           <a:p>
             <a:fld id="{548C5E67-172B-4F6A-B3B9-DEF72F952E5B}" type="datetimeFigureOut">
               <a:rPr lang="en-US" smtClean="0"/>
-              <a:t>12/19/2021</a:t>
+              <a:t>4/14/2023</a:t>
             </a:fld>
             <a:endParaRPr lang="en-US"/>
           </a:p>
@@ -3453,7 +3497,7 @@
         </p:nvSpPr>
         <p:spPr>
           <a:xfrm>
-            <a:off x="838200" y="3429000"/>
+            <a:off x="838200" y="3444766"/>
             <a:ext cx="6654800" cy="1625599"/>
           </a:xfrm>
         </p:spPr>

--- a/Week8/W8.03. Creating Tables.pptx
+++ b/Week8/W8.03. Creating Tables.pptx
@@ -154,15 +154,38 @@
 </p:presentation>
 </file>
 
+<file path=ppt/revisionInfo.xml><?xml version="1.0" encoding="utf-8"?>
+<p1510:revInfo xmlns:a="http://schemas.openxmlformats.org/drawingml/2006/main" xmlns:r="http://schemas.openxmlformats.org/officeDocument/2006/relationships" xmlns:p1510="http://schemas.microsoft.com/office/powerpoint/2015/10/main">
+  <p1510:revLst>
+    <p1510:client id="{A8F2DEC5-02DC-4063-A126-75E15397B57B}" v="4" dt="2023-04-24T00:51:33.707"/>
+  </p1510:revLst>
+</p1510:revInfo>
+</file>
+
 <file path=ppt/changesInfos/changesInfo1.xml><?xml version="1.0" encoding="utf-8"?>
 <pc:chgInfo xmlns:a="http://schemas.openxmlformats.org/drawingml/2006/main" xmlns:r="http://schemas.openxmlformats.org/officeDocument/2006/relationships" xmlns:ac="http://schemas.microsoft.com/office/drawing/2013/main/command" xmlns:pc="http://schemas.microsoft.com/office/powerpoint/2013/main/command">
   <pc:docChgLst>
     <pc:chgData name="Charles Kiefriter" userId="a996b49251c4dfd2" providerId="LiveId" clId="{A8F2DEC5-02DC-4063-A126-75E15397B57B}"/>
     <pc:docChg chg="modSld">
-      <pc:chgData name="Charles Kiefriter" userId="a996b49251c4dfd2" providerId="LiveId" clId="{A8F2DEC5-02DC-4063-A126-75E15397B57B}" dt="2023-04-14T22:14:09.357" v="2" actId="1035"/>
+      <pc:chgData name="Charles Kiefriter" userId="a996b49251c4dfd2" providerId="LiveId" clId="{A8F2DEC5-02DC-4063-A126-75E15397B57B}" dt="2023-04-24T00:51:33.706" v="17"/>
       <pc:docMkLst>
         <pc:docMk/>
       </pc:docMkLst>
+      <pc:sldChg chg="modSp mod">
+        <pc:chgData name="Charles Kiefriter" userId="a996b49251c4dfd2" providerId="LiveId" clId="{A8F2DEC5-02DC-4063-A126-75E15397B57B}" dt="2023-04-20T17:58:40.666" v="4" actId="1035"/>
+        <pc:sldMkLst>
+          <pc:docMk/>
+          <pc:sldMk cId="507793010" sldId="256"/>
+        </pc:sldMkLst>
+        <pc:spChg chg="mod">
+          <ac:chgData name="Charles Kiefriter" userId="a996b49251c4dfd2" providerId="LiveId" clId="{A8F2DEC5-02DC-4063-A126-75E15397B57B}" dt="2023-04-20T17:58:40.666" v="4" actId="1035"/>
+          <ac:spMkLst>
+            <pc:docMk/>
+            <pc:sldMk cId="507793010" sldId="256"/>
+            <ac:spMk id="3" creationId="{756FD140-E406-4165-9E64-ECEE2E5D3174}"/>
+          </ac:spMkLst>
+        </pc:spChg>
+      </pc:sldChg>
       <pc:sldChg chg="modSp mod">
         <pc:chgData name="Charles Kiefriter" userId="a996b49251c4dfd2" providerId="LiveId" clId="{A8F2DEC5-02DC-4063-A126-75E15397B57B}" dt="2023-04-14T22:12:58.762" v="0" actId="1036"/>
         <pc:sldMkLst>
@@ -193,6 +216,66 @@
           </ac:spMkLst>
         </pc:spChg>
       </pc:sldChg>
+      <pc:sldChg chg="addSp modSp mod">
+        <pc:chgData name="Charles Kiefriter" userId="a996b49251c4dfd2" providerId="LiveId" clId="{A8F2DEC5-02DC-4063-A126-75E15397B57B}" dt="2023-04-24T00:37:51.006" v="12" actId="1076"/>
+        <pc:sldMkLst>
+          <pc:docMk/>
+          <pc:sldMk cId="1951832339" sldId="267"/>
+        </pc:sldMkLst>
+        <pc:spChg chg="add mod">
+          <ac:chgData name="Charles Kiefriter" userId="a996b49251c4dfd2" providerId="LiveId" clId="{A8F2DEC5-02DC-4063-A126-75E15397B57B}" dt="2023-04-24T00:37:51.006" v="12" actId="1076"/>
+          <ac:spMkLst>
+            <pc:docMk/>
+            <pc:sldMk cId="1951832339" sldId="267"/>
+            <ac:spMk id="4" creationId="{CC8CF15F-5444-049C-948E-4F011DB3FD52}"/>
+          </ac:spMkLst>
+        </pc:spChg>
+      </pc:sldChg>
+      <pc:sldChg chg="addSp modSp">
+        <pc:chgData name="Charles Kiefriter" userId="a996b49251c4dfd2" providerId="LiveId" clId="{A8F2DEC5-02DC-4063-A126-75E15397B57B}" dt="2023-04-24T00:51:33.706" v="17"/>
+        <pc:sldMkLst>
+          <pc:docMk/>
+          <pc:sldMk cId="3692636709" sldId="269"/>
+        </pc:sldMkLst>
+        <pc:spChg chg="add mod">
+          <ac:chgData name="Charles Kiefriter" userId="a996b49251c4dfd2" providerId="LiveId" clId="{A8F2DEC5-02DC-4063-A126-75E15397B57B}" dt="2023-04-24T00:51:33.706" v="17"/>
+          <ac:spMkLst>
+            <pc:docMk/>
+            <pc:sldMk cId="3692636709" sldId="269"/>
+            <ac:spMk id="4" creationId="{EBF3094F-31B5-BDA2-A2D3-C35D88F0785D}"/>
+          </ac:spMkLst>
+        </pc:spChg>
+      </pc:sldChg>
+      <pc:sldChg chg="addSp modSp">
+        <pc:chgData name="Charles Kiefriter" userId="a996b49251c4dfd2" providerId="LiveId" clId="{A8F2DEC5-02DC-4063-A126-75E15397B57B}" dt="2023-04-24T00:45:27.206" v="16"/>
+        <pc:sldMkLst>
+          <pc:docMk/>
+          <pc:sldMk cId="1226431186" sldId="270"/>
+        </pc:sldMkLst>
+        <pc:spChg chg="add mod">
+          <ac:chgData name="Charles Kiefriter" userId="a996b49251c4dfd2" providerId="LiveId" clId="{A8F2DEC5-02DC-4063-A126-75E15397B57B}" dt="2023-04-24T00:45:27.206" v="16"/>
+          <ac:spMkLst>
+            <pc:docMk/>
+            <pc:sldMk cId="1226431186" sldId="270"/>
+            <ac:spMk id="5" creationId="{2B8953F5-BDB5-4818-8391-C4745E626699}"/>
+          </ac:spMkLst>
+        </pc:spChg>
+      </pc:sldChg>
+      <pc:sldChg chg="addSp modSp mod">
+        <pc:chgData name="Charles Kiefriter" userId="a996b49251c4dfd2" providerId="LiveId" clId="{A8F2DEC5-02DC-4063-A126-75E15397B57B}" dt="2023-04-24T00:45:06.609" v="15" actId="14100"/>
+        <pc:sldMkLst>
+          <pc:docMk/>
+          <pc:sldMk cId="3317997303" sldId="271"/>
+        </pc:sldMkLst>
+        <pc:spChg chg="add mod">
+          <ac:chgData name="Charles Kiefriter" userId="a996b49251c4dfd2" providerId="LiveId" clId="{A8F2DEC5-02DC-4063-A126-75E15397B57B}" dt="2023-04-24T00:45:06.609" v="15" actId="14100"/>
+          <ac:spMkLst>
+            <pc:docMk/>
+            <pc:sldMk cId="3317997303" sldId="271"/>
+            <ac:spMk id="5" creationId="{87409C64-557F-2408-CBCC-BAD13FC978BC}"/>
+          </ac:spMkLst>
+        </pc:spChg>
+      </pc:sldChg>
     </pc:docChg>
   </pc:docChgLst>
 </pc:chgInfo>
@@ -280,7 +363,7 @@
           <a:p>
             <a:fld id="{BF1BC3E4-C956-40CB-AFCD-8F927AFF366E}" type="datetimeFigureOut">
               <a:rPr lang="en-US" smtClean="0"/>
-              <a:t>4/14/2023</a:t>
+              <a:t>4/20/2023</a:t>
             </a:fld>
             <a:endParaRPr lang="en-US"/>
           </a:p>
@@ -878,7 +961,7 @@
           <a:p>
             <a:fld id="{548C5E67-172B-4F6A-B3B9-DEF72F952E5B}" type="datetimeFigureOut">
               <a:rPr lang="en-US" smtClean="0"/>
-              <a:t>4/14/2023</a:t>
+              <a:t>4/20/2023</a:t>
             </a:fld>
             <a:endParaRPr lang="en-US"/>
           </a:p>
@@ -1082,7 +1165,7 @@
           <a:p>
             <a:fld id="{548C5E67-172B-4F6A-B3B9-DEF72F952E5B}" type="datetimeFigureOut">
               <a:rPr lang="en-US" smtClean="0"/>
-              <a:t>4/14/2023</a:t>
+              <a:t>4/20/2023</a:t>
             </a:fld>
             <a:endParaRPr lang="en-US"/>
           </a:p>
@@ -1276,7 +1359,7 @@
           <a:p>
             <a:fld id="{548C5E67-172B-4F6A-B3B9-DEF72F952E5B}" type="datetimeFigureOut">
               <a:rPr lang="en-US" smtClean="0"/>
-              <a:t>4/14/2023</a:t>
+              <a:t>4/20/2023</a:t>
             </a:fld>
             <a:endParaRPr lang="en-US"/>
           </a:p>
@@ -2321,7 +2404,7 @@
           <a:p>
             <a:fld id="{548C5E67-172B-4F6A-B3B9-DEF72F952E5B}" type="datetimeFigureOut">
               <a:rPr lang="en-US" smtClean="0"/>
-              <a:t>4/14/2023</a:t>
+              <a:t>4/20/2023</a:t>
             </a:fld>
             <a:endParaRPr lang="en-US"/>
           </a:p>
@@ -2602,7 +2685,7 @@
           <a:p>
             <a:fld id="{548C5E67-172B-4F6A-B3B9-DEF72F952E5B}" type="datetimeFigureOut">
               <a:rPr lang="en-US" smtClean="0"/>
-              <a:t>4/14/2023</a:t>
+              <a:t>4/20/2023</a:t>
             </a:fld>
             <a:endParaRPr lang="en-US"/>
           </a:p>
@@ -3164,7 +3247,12 @@
             <p:ph type="subTitle" idx="1"/>
           </p:nvPr>
         </p:nvSpPr>
-        <p:spPr/>
+        <p:spPr>
+          <a:xfrm>
+            <a:off x="1524000" y="3602038"/>
+            <a:ext cx="5909534" cy="1655762"/>
+          </a:xfrm>
+        </p:spPr>
         <p:txBody>
           <a:bodyPr/>
           <a:lstStyle/>
@@ -5029,6 +5117,44 @@
               <a:rPr lang="en-US" dirty="0"/>
               <a:t>Related tables are created last</a:t>
             </a:r>
+          </a:p>
+        </p:txBody>
+      </p:sp>
+      <p:sp>
+        <p:nvSpPr>
+          <p:cNvPr id="5" name="TextBox 4">
+            <a:extLst>
+              <a:ext uri="{FF2B5EF4-FFF2-40B4-BE49-F238E27FC236}">
+                <a16:creationId xmlns:a16="http://schemas.microsoft.com/office/drawing/2014/main" id="{87409C64-557F-2408-CBCC-BAD13FC978BC}"/>
+              </a:ext>
+            </a:extLst>
+          </p:cNvPr>
+          <p:cNvSpPr txBox="1"/>
+          <p:nvPr/>
+        </p:nvSpPr>
+        <p:spPr>
+          <a:xfrm>
+            <a:off x="1081278" y="5853797"/>
+            <a:ext cx="10272522" cy="369332"/>
+          </a:xfrm>
+          <a:prstGeom prst="rect">
+            <a:avLst/>
+          </a:prstGeom>
+          <a:noFill/>
+        </p:spPr>
+        <p:txBody>
+          <a:bodyPr wrap="square">
+            <a:spAutoFit/>
+          </a:bodyPr>
+          <a:lstStyle/>
+          <a:p>
+            <a:r>
+              <a:rPr lang="en-US" dirty="0">
+                <a:hlinkClick r:id="rId2"/>
+              </a:rPr>
+              <a:t>https://github.com/ckiefriter1/mysql-java-recipes/blob/main/src/main/resources/recipe_schema.sql</a:t>
+            </a:r>
+            <a:endParaRPr lang="en-US" dirty="0"/>
           </a:p>
         </p:txBody>
       </p:sp>
@@ -5365,6 +5491,44 @@
           </a:p>
         </p:txBody>
       </p:sp>
+      <p:sp>
+        <p:nvSpPr>
+          <p:cNvPr id="5" name="TextBox 4">
+            <a:extLst>
+              <a:ext uri="{FF2B5EF4-FFF2-40B4-BE49-F238E27FC236}">
+                <a16:creationId xmlns:a16="http://schemas.microsoft.com/office/drawing/2014/main" id="{2B8953F5-BDB5-4818-8391-C4745E626699}"/>
+              </a:ext>
+            </a:extLst>
+          </p:cNvPr>
+          <p:cNvSpPr txBox="1"/>
+          <p:nvPr/>
+        </p:nvSpPr>
+        <p:spPr>
+          <a:xfrm>
+            <a:off x="1081278" y="5853797"/>
+            <a:ext cx="10272522" cy="369332"/>
+          </a:xfrm>
+          <a:prstGeom prst="rect">
+            <a:avLst/>
+          </a:prstGeom>
+          <a:noFill/>
+        </p:spPr>
+        <p:txBody>
+          <a:bodyPr wrap="square">
+            <a:spAutoFit/>
+          </a:bodyPr>
+          <a:lstStyle/>
+          <a:p>
+            <a:r>
+              <a:rPr lang="en-US" dirty="0">
+                <a:hlinkClick r:id="rId2"/>
+              </a:rPr>
+              <a:t>https://github.com/ckiefriter1/mysql-java-recipes/blob/main/src/main/resources/recipe_schema.sql</a:t>
+            </a:r>
+            <a:endParaRPr lang="en-US" dirty="0"/>
+          </a:p>
+        </p:txBody>
+      </p:sp>
     </p:spTree>
     <p:extLst>
       <p:ext uri="{BB962C8B-B14F-4D97-AF65-F5344CB8AC3E}">
@@ -5456,6 +5620,44 @@
               <a:rPr lang="en-US" dirty="0"/>
               <a:t>: Add the CREATE TABLE statements</a:t>
             </a:r>
+          </a:p>
+        </p:txBody>
+      </p:sp>
+      <p:sp>
+        <p:nvSpPr>
+          <p:cNvPr id="4" name="TextBox 3">
+            <a:extLst>
+              <a:ext uri="{FF2B5EF4-FFF2-40B4-BE49-F238E27FC236}">
+                <a16:creationId xmlns:a16="http://schemas.microsoft.com/office/drawing/2014/main" id="{EBF3094F-31B5-BDA2-A2D3-C35D88F0785D}"/>
+              </a:ext>
+            </a:extLst>
+          </p:cNvPr>
+          <p:cNvSpPr txBox="1"/>
+          <p:nvPr/>
+        </p:nvSpPr>
+        <p:spPr>
+          <a:xfrm>
+            <a:off x="1081278" y="5853797"/>
+            <a:ext cx="10272522" cy="369332"/>
+          </a:xfrm>
+          <a:prstGeom prst="rect">
+            <a:avLst/>
+          </a:prstGeom>
+          <a:noFill/>
+        </p:spPr>
+        <p:txBody>
+          <a:bodyPr wrap="square">
+            <a:spAutoFit/>
+          </a:bodyPr>
+          <a:lstStyle/>
+          <a:p>
+            <a:r>
+              <a:rPr lang="en-US" dirty="0">
+                <a:hlinkClick r:id="rId2"/>
+              </a:rPr>
+              <a:t>https://github.com/ckiefriter1/mysql-java-recipes/blob/main/src/main/resources/recipe_schema.sql</a:t>
+            </a:r>
+            <a:endParaRPr lang="en-US" dirty="0"/>
           </a:p>
         </p:txBody>
       </p:sp>
@@ -6069,6 +6271,44 @@
           </a:fontRef>
         </p:style>
       </p:cxnSp>
+      <p:sp>
+        <p:nvSpPr>
+          <p:cNvPr id="4" name="TextBox 3">
+            <a:extLst>
+              <a:ext uri="{FF2B5EF4-FFF2-40B4-BE49-F238E27FC236}">
+                <a16:creationId xmlns:a16="http://schemas.microsoft.com/office/drawing/2014/main" id="{CC8CF15F-5444-049C-948E-4F011DB3FD52}"/>
+              </a:ext>
+            </a:extLst>
+          </p:cNvPr>
+          <p:cNvSpPr txBox="1"/>
+          <p:nvPr/>
+        </p:nvSpPr>
+        <p:spPr>
+          <a:xfrm>
+            <a:off x="698500" y="6123543"/>
+            <a:ext cx="11652250" cy="369332"/>
+          </a:xfrm>
+          <a:prstGeom prst="rect">
+            <a:avLst/>
+          </a:prstGeom>
+          <a:noFill/>
+        </p:spPr>
+        <p:txBody>
+          <a:bodyPr wrap="square">
+            <a:spAutoFit/>
+          </a:bodyPr>
+          <a:lstStyle/>
+          <a:p>
+            <a:r>
+              <a:rPr lang="en-US" dirty="0">
+                <a:hlinkClick r:id="rId3"/>
+              </a:rPr>
+              <a:t>https://github.com/ckiefriter1/mysql-java-recipes/blob/main/src/main/resources/Recipe-Database-Model.drawio.png</a:t>
+            </a:r>
+            <a:endParaRPr lang="en-US" dirty="0"/>
+          </a:p>
+        </p:txBody>
+      </p:sp>
     </p:spTree>
     <p:extLst>
       <p:ext uri="{BB962C8B-B14F-4D97-AF65-F5344CB8AC3E}">

--- a/Week8/W8.03. Creating Tables.pptx
+++ b/Week8/W8.03. Creating Tables.pptx
@@ -154,14 +154,6 @@
 </p:presentation>
 </file>
 
-<file path=ppt/revisionInfo.xml><?xml version="1.0" encoding="utf-8"?>
-<p1510:revInfo xmlns:a="http://schemas.openxmlformats.org/drawingml/2006/main" xmlns:r="http://schemas.openxmlformats.org/officeDocument/2006/relationships" xmlns:p1510="http://schemas.microsoft.com/office/powerpoint/2015/10/main">
-  <p1510:revLst>
-    <p1510:client id="{A8F2DEC5-02DC-4063-A126-75E15397B57B}" v="4" dt="2023-04-24T00:51:33.707"/>
-  </p1510:revLst>
-</p1510:revInfo>
-</file>
-
 <file path=ppt/changesInfos/changesInfo1.xml><?xml version="1.0" encoding="utf-8"?>
 <pc:chgInfo xmlns:a="http://schemas.openxmlformats.org/drawingml/2006/main" xmlns:r="http://schemas.openxmlformats.org/officeDocument/2006/relationships" xmlns:ac="http://schemas.microsoft.com/office/drawing/2013/main/command" xmlns:pc="http://schemas.microsoft.com/office/powerpoint/2013/main/command">
   <pc:docChgLst>
@@ -278,6 +270,45 @@
       </pc:sldChg>
     </pc:docChg>
   </pc:docChgLst>
+  <pc:docChgLst>
+    <pc:chgData name="Chuck Kiefriter" userId="a996b49251c4dfd2" providerId="LiveId" clId="{3BE86CC2-9A2D-44B2-9A67-5B2150C35A0A}"/>
+    <pc:docChg chg="modSld">
+      <pc:chgData name="Chuck Kiefriter" userId="a996b49251c4dfd2" providerId="LiveId" clId="{3BE86CC2-9A2D-44B2-9A67-5B2150C35A0A}" dt="2024-03-27T23:21:45.103" v="1" actId="14100"/>
+      <pc:docMkLst>
+        <pc:docMk/>
+      </pc:docMkLst>
+      <pc:sldChg chg="modSp mod">
+        <pc:chgData name="Chuck Kiefriter" userId="a996b49251c4dfd2" providerId="LiveId" clId="{3BE86CC2-9A2D-44B2-9A67-5B2150C35A0A}" dt="2024-03-27T23:21:45.103" v="1" actId="14100"/>
+        <pc:sldMkLst>
+          <pc:docMk/>
+          <pc:sldMk cId="1841298103" sldId="258"/>
+        </pc:sldMkLst>
+        <pc:spChg chg="mod">
+          <ac:chgData name="Chuck Kiefriter" userId="a996b49251c4dfd2" providerId="LiveId" clId="{3BE86CC2-9A2D-44B2-9A67-5B2150C35A0A}" dt="2024-03-27T23:21:45.103" v="1" actId="14100"/>
+          <ac:spMkLst>
+            <pc:docMk/>
+            <pc:sldMk cId="1841298103" sldId="258"/>
+            <ac:spMk id="4" creationId="{88D972AD-8700-44DE-B11A-718786048C19}"/>
+          </ac:spMkLst>
+        </pc:spChg>
+      </pc:sldChg>
+      <pc:sldChg chg="modSp mod">
+        <pc:chgData name="Chuck Kiefriter" userId="a996b49251c4dfd2" providerId="LiveId" clId="{3BE86CC2-9A2D-44B2-9A67-5B2150C35A0A}" dt="2024-03-27T23:19:00.870" v="0" actId="14100"/>
+        <pc:sldMkLst>
+          <pc:docMk/>
+          <pc:sldMk cId="4166417336" sldId="268"/>
+        </pc:sldMkLst>
+        <pc:spChg chg="mod">
+          <ac:chgData name="Chuck Kiefriter" userId="a996b49251c4dfd2" providerId="LiveId" clId="{3BE86CC2-9A2D-44B2-9A67-5B2150C35A0A}" dt="2024-03-27T23:19:00.870" v="0" actId="14100"/>
+          <ac:spMkLst>
+            <pc:docMk/>
+            <pc:sldMk cId="4166417336" sldId="268"/>
+            <ac:spMk id="3" creationId="{A08E3762-1CFC-4005-A3E5-D93FEEA37776}"/>
+          </ac:spMkLst>
+        </pc:spChg>
+      </pc:sldChg>
+    </pc:docChg>
+  </pc:docChgLst>
 </pc:chgInfo>
 </file>
 
@@ -363,7 +394,7 @@
           <a:p>
             <a:fld id="{BF1BC3E4-C956-40CB-AFCD-8F927AFF366E}" type="datetimeFigureOut">
               <a:rPr lang="en-US" smtClean="0"/>
-              <a:t>4/20/2023</a:t>
+              <a:t>3/27/2024</a:t>
             </a:fld>
             <a:endParaRPr lang="en-US"/>
           </a:p>
@@ -961,7 +992,7 @@
           <a:p>
             <a:fld id="{548C5E67-172B-4F6A-B3B9-DEF72F952E5B}" type="datetimeFigureOut">
               <a:rPr lang="en-US" smtClean="0"/>
-              <a:t>4/20/2023</a:t>
+              <a:t>3/27/2024</a:t>
             </a:fld>
             <a:endParaRPr lang="en-US"/>
           </a:p>
@@ -1165,7 +1196,7 @@
           <a:p>
             <a:fld id="{548C5E67-172B-4F6A-B3B9-DEF72F952E5B}" type="datetimeFigureOut">
               <a:rPr lang="en-US" smtClean="0"/>
-              <a:t>4/20/2023</a:t>
+              <a:t>3/27/2024</a:t>
             </a:fld>
             <a:endParaRPr lang="en-US"/>
           </a:p>
@@ -1359,7 +1390,7 @@
           <a:p>
             <a:fld id="{548C5E67-172B-4F6A-B3B9-DEF72F952E5B}" type="datetimeFigureOut">
               <a:rPr lang="en-US" smtClean="0"/>
-              <a:t>4/20/2023</a:t>
+              <a:t>3/27/2024</a:t>
             </a:fld>
             <a:endParaRPr lang="en-US"/>
           </a:p>
@@ -2404,7 +2435,7 @@
           <a:p>
             <a:fld id="{548C5E67-172B-4F6A-B3B9-DEF72F952E5B}" type="datetimeFigureOut">
               <a:rPr lang="en-US" smtClean="0"/>
-              <a:t>4/20/2023</a:t>
+              <a:t>3/27/2024</a:t>
             </a:fld>
             <a:endParaRPr lang="en-US"/>
           </a:p>
@@ -2685,7 +2716,7 @@
           <a:p>
             <a:fld id="{548C5E67-172B-4F6A-B3B9-DEF72F952E5B}" type="datetimeFigureOut">
               <a:rPr lang="en-US" smtClean="0"/>
-              <a:t>4/20/2023</a:t>
+              <a:t>3/27/2024</a:t>
             </a:fld>
             <a:endParaRPr lang="en-US"/>
           </a:p>
@@ -5750,7 +5781,7 @@
         <p:spPr>
           <a:xfrm>
             <a:off x="838200" y="1825625"/>
-            <a:ext cx="7100944" cy="2314575"/>
+            <a:ext cx="10280904" cy="2314575"/>
           </a:xfrm>
         </p:spPr>
         <p:txBody>
@@ -5781,13 +5812,8 @@
             </a:r>
             <a:r>
               <a:rPr lang="en-US" dirty="0"/>
-              <a:t>: a look at </a:t>
-            </a:r>
-            <a:r>
-              <a:rPr lang="en-US"/>
-              <a:t>each table</a:t>
-            </a:r>
-            <a:endParaRPr lang="en-US" dirty="0"/>
+              <a:t>: a look at each table</a:t>
+            </a:r>
           </a:p>
           <a:p>
             <a:r>
@@ -6776,7 +6802,7 @@
         <p:spPr>
           <a:xfrm>
             <a:off x="977900" y="2641600"/>
-            <a:ext cx="5651500" cy="3539430"/>
+            <a:ext cx="10515600" cy="2246769"/>
           </a:xfrm>
           <a:prstGeom prst="rect">
             <a:avLst/>

--- a/Week8/W8.03. Creating Tables.pptx
+++ b/Week8/W8.03. Creating Tables.pptx
@@ -309,6 +309,54 @@
       </pc:sldChg>
     </pc:docChg>
   </pc:docChgLst>
+  <pc:docChgLst>
+    <pc:chgData name="Chuck Kiefriter" userId="a996b49251c4dfd2" providerId="LiveId" clId="{0DC51633-F1B0-4646-83F3-786E554B7A73}"/>
+    <pc:docChg chg="modSld">
+      <pc:chgData name="Chuck Kiefriter" userId="a996b49251c4dfd2" providerId="LiveId" clId="{0DC51633-F1B0-4646-83F3-786E554B7A73}" dt="2024-11-22T01:35:37.141" v="10" actId="14100"/>
+      <pc:docMkLst>
+        <pc:docMk/>
+      </pc:docMkLst>
+      <pc:sldChg chg="modSp mod">
+        <pc:chgData name="Chuck Kiefriter" userId="a996b49251c4dfd2" providerId="LiveId" clId="{0DC51633-F1B0-4646-83F3-786E554B7A73}" dt="2024-11-22T01:35:37.141" v="10" actId="14100"/>
+        <pc:sldMkLst>
+          <pc:docMk/>
+          <pc:sldMk cId="56936813" sldId="266"/>
+        </pc:sldMkLst>
+        <pc:spChg chg="mod">
+          <ac:chgData name="Chuck Kiefriter" userId="a996b49251c4dfd2" providerId="LiveId" clId="{0DC51633-F1B0-4646-83F3-786E554B7A73}" dt="2024-11-22T01:35:37.141" v="10" actId="14100"/>
+          <ac:spMkLst>
+            <pc:docMk/>
+            <pc:sldMk cId="56936813" sldId="266"/>
+            <ac:spMk id="3" creationId="{FE09019F-7387-4766-8EB3-26A1351A7D0A}"/>
+          </ac:spMkLst>
+        </pc:spChg>
+      </pc:sldChg>
+    </pc:docChg>
+  </pc:docChgLst>
+  <pc:docChgLst>
+    <pc:chgData name="Chuck Kiefriter" userId="a996b49251c4dfd2" providerId="LiveId" clId="{A89A4832-BCEF-4291-9807-8335C59A7D56}"/>
+    <pc:docChg chg="modSld">
+      <pc:chgData name="Chuck Kiefriter" userId="a996b49251c4dfd2" providerId="LiveId" clId="{A89A4832-BCEF-4291-9807-8335C59A7D56}" dt="2024-09-26T00:33:24.159" v="0" actId="20577"/>
+      <pc:docMkLst>
+        <pc:docMk/>
+      </pc:docMkLst>
+      <pc:sldChg chg="modSp mod">
+        <pc:chgData name="Chuck Kiefriter" userId="a996b49251c4dfd2" providerId="LiveId" clId="{A89A4832-BCEF-4291-9807-8335C59A7D56}" dt="2024-09-26T00:33:24.159" v="0" actId="20577"/>
+        <pc:sldMkLst>
+          <pc:docMk/>
+          <pc:sldMk cId="2342344818" sldId="261"/>
+        </pc:sldMkLst>
+        <pc:spChg chg="mod">
+          <ac:chgData name="Chuck Kiefriter" userId="a996b49251c4dfd2" providerId="LiveId" clId="{A89A4832-BCEF-4291-9807-8335C59A7D56}" dt="2024-09-26T00:33:24.159" v="0" actId="20577"/>
+          <ac:spMkLst>
+            <pc:docMk/>
+            <pc:sldMk cId="2342344818" sldId="261"/>
+            <ac:spMk id="3" creationId="{FE09019F-7387-4766-8EB3-26A1351A7D0A}"/>
+          </ac:spMkLst>
+        </pc:spChg>
+      </pc:sldChg>
+    </pc:docChg>
+  </pc:docChgLst>
 </pc:chgInfo>
 </file>
 
@@ -394,7 +442,7 @@
           <a:p>
             <a:fld id="{BF1BC3E4-C956-40CB-AFCD-8F927AFF366E}" type="datetimeFigureOut">
               <a:rPr lang="en-US" smtClean="0"/>
-              <a:t>3/27/2024</a:t>
+              <a:t>11/21/2024</a:t>
             </a:fld>
             <a:endParaRPr lang="en-US"/>
           </a:p>
@@ -992,7 +1040,7 @@
           <a:p>
             <a:fld id="{548C5E67-172B-4F6A-B3B9-DEF72F952E5B}" type="datetimeFigureOut">
               <a:rPr lang="en-US" smtClean="0"/>
-              <a:t>3/27/2024</a:t>
+              <a:t>11/21/2024</a:t>
             </a:fld>
             <a:endParaRPr lang="en-US"/>
           </a:p>
@@ -1196,7 +1244,7 @@
           <a:p>
             <a:fld id="{548C5E67-172B-4F6A-B3B9-DEF72F952E5B}" type="datetimeFigureOut">
               <a:rPr lang="en-US" smtClean="0"/>
-              <a:t>3/27/2024</a:t>
+              <a:t>11/21/2024</a:t>
             </a:fld>
             <a:endParaRPr lang="en-US"/>
           </a:p>
@@ -1390,7 +1438,7 @@
           <a:p>
             <a:fld id="{548C5E67-172B-4F6A-B3B9-DEF72F952E5B}" type="datetimeFigureOut">
               <a:rPr lang="en-US" smtClean="0"/>
-              <a:t>3/27/2024</a:t>
+              <a:t>11/21/2024</a:t>
             </a:fld>
             <a:endParaRPr lang="en-US"/>
           </a:p>
@@ -2435,7 +2483,7 @@
           <a:p>
             <a:fld id="{548C5E67-172B-4F6A-B3B9-DEF72F952E5B}" type="datetimeFigureOut">
               <a:rPr lang="en-US" smtClean="0"/>
-              <a:t>3/27/2024</a:t>
+              <a:t>11/21/2024</a:t>
             </a:fld>
             <a:endParaRPr lang="en-US"/>
           </a:p>
@@ -2716,7 +2764,7 @@
           <a:p>
             <a:fld id="{548C5E67-172B-4F6A-B3B9-DEF72F952E5B}" type="datetimeFigureOut">
               <a:rPr lang="en-US" smtClean="0"/>
-              <a:t>3/27/2024</a:t>
+              <a:t>11/21/2024</a:t>
             </a:fld>
             <a:endParaRPr lang="en-US"/>
           </a:p>
@@ -4832,7 +4880,7 @@
         <p:spPr>
           <a:xfrm>
             <a:off x="698500" y="558801"/>
-            <a:ext cx="6324600" cy="2870200"/>
+            <a:ext cx="7375652" cy="2870200"/>
           </a:xfrm>
         </p:spPr>
         <p:txBody>
@@ -4874,7 +4922,7 @@
                 <a:latin typeface="Courier New" panose="02070309020205020404" pitchFamily="49" charset="0"/>
                 <a:cs typeface="Courier New" panose="02070309020205020404" pitchFamily="49" charset="0"/>
               </a:rPr>
-              <a:t>recipe_id</a:t>
+              <a:t>ingredient_id</a:t>
             </a:r>
             <a:r>
               <a:rPr lang="en-US" sz="2000" dirty="0">
@@ -8022,12 +8070,16 @@
               <a:buNone/>
             </a:pPr>
             <a:r>
-              <a:rPr lang="en-US" sz="2000" dirty="0">
+              <a:rPr lang="en-US" sz="2000">
                 <a:latin typeface="Courier New" panose="02070309020205020404" pitchFamily="49" charset="0"/>
                 <a:cs typeface="Courier New" panose="02070309020205020404" pitchFamily="49" charset="0"/>
               </a:rPr>
-              <a:t>)</a:t>
-            </a:r>
+              <a:t>);</a:t>
+            </a:r>
+            <a:endParaRPr lang="en-US" sz="2000" dirty="0">
+              <a:latin typeface="Courier New" panose="02070309020205020404" pitchFamily="49" charset="0"/>
+              <a:cs typeface="Courier New" panose="02070309020205020404" pitchFamily="49" charset="0"/>
+            </a:endParaRPr>
           </a:p>
         </p:txBody>
       </p:sp>
